--- a/Code Styling.pptx
+++ b/Code Styling.pptx
@@ -18,7 +18,9 @@
     <p:sldId id="263" r:id="rId12"/>
     <p:sldId id="268" r:id="rId13"/>
     <p:sldId id="273" r:id="rId14"/>
-    <p:sldId id="272" r:id="rId15"/>
+    <p:sldId id="274" r:id="rId15"/>
+    <p:sldId id="272" r:id="rId16"/>
+    <p:sldId id="275" r:id="rId17"/>
   </p:sldIdLst>
   <p:sldSz cx="12192000" cy="6858000"/>
   <p:notesSz cx="6858000" cy="9144000"/>
@@ -117,6 +119,11 @@
       </a:defRPr>
     </a:lvl9pPr>
   </p:defaultTextStyle>
+  <p:extLst>
+    <p:ext uri="{EFAFB233-063F-42B5-8137-9DF3F51BA10A}">
+      <p15:sldGuideLst xmlns:p15="http://schemas.microsoft.com/office/powerpoint/2012/main"/>
+    </p:ext>
+  </p:extLst>
 </p:presentation>
 </file>
 
@@ -333,7 +340,7 @@
           <a:p>
             <a:fld id="{CD011463-BD8F-479D-8B30-4F24CC15187B}" type="datetimeFigureOut">
               <a:rPr lang="en-US" smtClean="0"/>
-              <a:t>2/27/2023</a:t>
+              <a:t>3/2/2023</a:t>
             </a:fld>
             <a:endParaRPr lang="en-US"/>
           </a:p>
@@ -624,7 +631,7 @@
           <a:p>
             <a:fld id="{CD011463-BD8F-479D-8B30-4F24CC15187B}" type="datetimeFigureOut">
               <a:rPr lang="en-US" smtClean="0"/>
-              <a:t>2/27/2023</a:t>
+              <a:t>3/2/2023</a:t>
             </a:fld>
             <a:endParaRPr lang="en-US"/>
           </a:p>
@@ -883,7 +890,7 @@
           <a:p>
             <a:fld id="{CD011463-BD8F-479D-8B30-4F24CC15187B}" type="datetimeFigureOut">
               <a:rPr lang="en-US" smtClean="0"/>
-              <a:t>2/27/2023</a:t>
+              <a:t>3/2/2023</a:t>
             </a:fld>
             <a:endParaRPr lang="en-US"/>
           </a:p>
@@ -1352,7 +1359,7 @@
           <a:p>
             <a:fld id="{CD011463-BD8F-479D-8B30-4F24CC15187B}" type="datetimeFigureOut">
               <a:rPr lang="en-US" smtClean="0"/>
-              <a:t>2/27/2023</a:t>
+              <a:t>3/2/2023</a:t>
             </a:fld>
             <a:endParaRPr lang="en-US"/>
           </a:p>
@@ -1532,7 +1539,7 @@
           <a:p>
             <a:fld id="{CD011463-BD8F-479D-8B30-4F24CC15187B}" type="datetimeFigureOut">
               <a:rPr lang="en-US" smtClean="0"/>
-              <a:t>2/27/2023</a:t>
+              <a:t>3/2/2023</a:t>
             </a:fld>
             <a:endParaRPr lang="en-US"/>
           </a:p>
@@ -2108,7 +2115,7 @@
           <a:p>
             <a:fld id="{CD011463-BD8F-479D-8B30-4F24CC15187B}" type="datetimeFigureOut">
               <a:rPr lang="en-US" smtClean="0"/>
-              <a:t>2/27/2023</a:t>
+              <a:t>3/2/2023</a:t>
             </a:fld>
             <a:endParaRPr lang="en-US"/>
           </a:p>
@@ -2440,7 +2447,7 @@
           <a:p>
             <a:fld id="{CD011463-BD8F-479D-8B30-4F24CC15187B}" type="datetimeFigureOut">
               <a:rPr lang="en-US" smtClean="0"/>
-              <a:t>2/27/2023</a:t>
+              <a:t>3/2/2023</a:t>
             </a:fld>
             <a:endParaRPr lang="en-US"/>
           </a:p>
@@ -2615,7 +2622,7 @@
           <a:p>
             <a:fld id="{CD011463-BD8F-479D-8B30-4F24CC15187B}" type="datetimeFigureOut">
               <a:rPr lang="en-US" smtClean="0"/>
-              <a:t>2/27/2023</a:t>
+              <a:t>3/2/2023</a:t>
             </a:fld>
             <a:endParaRPr lang="en-US"/>
           </a:p>
@@ -2795,7 +2802,7 @@
           <a:p>
             <a:fld id="{CD011463-BD8F-479D-8B30-4F24CC15187B}" type="datetimeFigureOut">
               <a:rPr lang="en-US" smtClean="0"/>
-              <a:t>2/27/2023</a:t>
+              <a:t>3/2/2023</a:t>
             </a:fld>
             <a:endParaRPr lang="en-US"/>
           </a:p>
@@ -2965,7 +2972,7 @@
           <a:p>
             <a:fld id="{CD011463-BD8F-479D-8B30-4F24CC15187B}" type="datetimeFigureOut">
               <a:rPr lang="en-US" smtClean="0"/>
-              <a:t>2/27/2023</a:t>
+              <a:t>3/2/2023</a:t>
             </a:fld>
             <a:endParaRPr lang="en-US"/>
           </a:p>
@@ -3222,7 +3229,7 @@
           <a:p>
             <a:fld id="{CD011463-BD8F-479D-8B30-4F24CC15187B}" type="datetimeFigureOut">
               <a:rPr lang="en-US" smtClean="0"/>
-              <a:t>2/27/2023</a:t>
+              <a:t>3/2/2023</a:t>
             </a:fld>
             <a:endParaRPr lang="en-US"/>
           </a:p>
@@ -3514,7 +3521,7 @@
           <a:p>
             <a:fld id="{CD011463-BD8F-479D-8B30-4F24CC15187B}" type="datetimeFigureOut">
               <a:rPr lang="en-US" smtClean="0"/>
-              <a:t>2/27/2023</a:t>
+              <a:t>3/2/2023</a:t>
             </a:fld>
             <a:endParaRPr lang="en-US"/>
           </a:p>
@@ -3944,7 +3951,7 @@
           <a:p>
             <a:fld id="{CD011463-BD8F-479D-8B30-4F24CC15187B}" type="datetimeFigureOut">
               <a:rPr lang="en-US" smtClean="0"/>
-              <a:t>2/27/2023</a:t>
+              <a:t>3/2/2023</a:t>
             </a:fld>
             <a:endParaRPr lang="en-US"/>
           </a:p>
@@ -4062,7 +4069,7 @@
           <a:p>
             <a:fld id="{CD011463-BD8F-479D-8B30-4F24CC15187B}" type="datetimeFigureOut">
               <a:rPr lang="en-US" smtClean="0"/>
-              <a:t>2/27/2023</a:t>
+              <a:t>3/2/2023</a:t>
             </a:fld>
             <a:endParaRPr lang="en-US"/>
           </a:p>
@@ -4157,7 +4164,7 @@
           <a:p>
             <a:fld id="{CD011463-BD8F-479D-8B30-4F24CC15187B}" type="datetimeFigureOut">
               <a:rPr lang="en-US" smtClean="0"/>
-              <a:t>2/27/2023</a:t>
+              <a:t>3/2/2023</a:t>
             </a:fld>
             <a:endParaRPr lang="en-US"/>
           </a:p>
@@ -4440,7 +4447,7 @@
           <a:p>
             <a:fld id="{CD011463-BD8F-479D-8B30-4F24CC15187B}" type="datetimeFigureOut">
               <a:rPr lang="en-US" smtClean="0"/>
-              <a:t>2/27/2023</a:t>
+              <a:t>3/2/2023</a:t>
             </a:fld>
             <a:endParaRPr lang="en-US"/>
           </a:p>
@@ -4731,7 +4738,7 @@
           <a:p>
             <a:fld id="{CD011463-BD8F-479D-8B30-4F24CC15187B}" type="datetimeFigureOut">
               <a:rPr lang="en-US" smtClean="0"/>
-              <a:t>2/27/2023</a:t>
+              <a:t>3/2/2023</a:t>
             </a:fld>
             <a:endParaRPr lang="en-US"/>
           </a:p>
@@ -4962,7 +4969,7 @@
           <a:p>
             <a:fld id="{CD011463-BD8F-479D-8B30-4F24CC15187B}" type="datetimeFigureOut">
               <a:rPr lang="en-US" smtClean="0"/>
-              <a:t>2/27/2023</a:t>
+              <a:t>3/2/2023</a:t>
             </a:fld>
             <a:endParaRPr lang="en-US"/>
           </a:p>
@@ -6712,13 +6719,13 @@
   <p:clrMapOvr>
     <a:masterClrMapping/>
   </p:clrMapOvr>
-  <mc:AlternateContent xmlns:mc="http://schemas.openxmlformats.org/markup-compatibility/2006">
-    <mc:Choice xmlns:p159="http://schemas.microsoft.com/office/powerpoint/2015/09/main" Requires="p159">
+  <mc:AlternateContent xmlns:mc="http://schemas.openxmlformats.org/markup-compatibility/2006" xmlns:p159="http://schemas.microsoft.com/office/powerpoint/2015/09/main">
+    <mc:Choice Requires="p159">
       <p:transition xmlns:p14="http://schemas.microsoft.com/office/powerpoint/2010/main" spd="slow" p14:dur="2000">
         <p159:morph option="byWord"/>
       </p:transition>
     </mc:Choice>
-    <mc:Fallback>
+    <mc:Fallback xmlns="">
       <p:transition spd="slow">
         <p:fade/>
       </p:transition>
@@ -7258,13 +7265,13 @@
   <p:clrMapOvr>
     <a:masterClrMapping/>
   </p:clrMapOvr>
-  <mc:AlternateContent xmlns:mc="http://schemas.openxmlformats.org/markup-compatibility/2006">
-    <mc:Choice xmlns:p159="http://schemas.microsoft.com/office/powerpoint/2015/09/main" Requires="p159">
+  <mc:AlternateContent xmlns:mc="http://schemas.openxmlformats.org/markup-compatibility/2006" xmlns:p159="http://schemas.microsoft.com/office/powerpoint/2015/09/main">
+    <mc:Choice Requires="p159">
       <p:transition xmlns:p14="http://schemas.microsoft.com/office/powerpoint/2010/main" spd="slow" p14:dur="2000">
         <p159:morph option="byWord"/>
       </p:transition>
     </mc:Choice>
-    <mc:Fallback>
+    <mc:Fallback xmlns="">
       <p:transition spd="slow">
         <p:fade/>
       </p:transition>
@@ -8147,13 +8154,13 @@
   <p:clrMapOvr>
     <a:masterClrMapping/>
   </p:clrMapOvr>
-  <mc:AlternateContent xmlns:mc="http://schemas.openxmlformats.org/markup-compatibility/2006">
-    <mc:Choice xmlns:p159="http://schemas.microsoft.com/office/powerpoint/2015/09/main" Requires="p159">
+  <mc:AlternateContent xmlns:mc="http://schemas.openxmlformats.org/markup-compatibility/2006" xmlns:p159="http://schemas.microsoft.com/office/powerpoint/2015/09/main">
+    <mc:Choice Requires="p159">
       <p:transition xmlns:p14="http://schemas.microsoft.com/office/powerpoint/2010/main" spd="slow" p14:dur="2000">
         <p159:morph option="byWord"/>
       </p:transition>
     </mc:Choice>
-    <mc:Fallback>
+    <mc:Fallback xmlns="">
       <p:transition spd="slow">
         <p:fade/>
       </p:transition>
@@ -8252,10 +8259,157 @@
   <p:clrMapOvr>
     <a:masterClrMapping/>
   </p:clrMapOvr>
+  <p:transition spd="slow">
+    <p:wipe/>
+  </p:transition>
 </p:sld>
 </file>
 
 <file path=ppt/slides/slide14.xml><?xml version="1.0" encoding="utf-8"?>
+<p:sld xmlns:a="http://schemas.openxmlformats.org/drawingml/2006/main" xmlns:r="http://schemas.openxmlformats.org/officeDocument/2006/relationships" xmlns:p="http://schemas.openxmlformats.org/presentationml/2006/main">
+  <p:cSld>
+    <p:spTree>
+      <p:nvGrpSpPr>
+        <p:cNvPr id="1" name=""/>
+        <p:cNvGrpSpPr/>
+        <p:nvPr/>
+      </p:nvGrpSpPr>
+      <p:grpSpPr>
+        <a:xfrm>
+          <a:off x="0" y="0"/>
+          <a:ext cx="0" cy="0"/>
+          <a:chOff x="0" y="0"/>
+          <a:chExt cx="0" cy="0"/>
+        </a:xfrm>
+      </p:grpSpPr>
+      <p:sp>
+        <p:nvSpPr>
+          <p:cNvPr id="2" name="Title 1">
+            <a:extLst>
+              <a:ext uri="{FF2B5EF4-FFF2-40B4-BE49-F238E27FC236}">
+                <a16:creationId xmlns:a16="http://schemas.microsoft.com/office/drawing/2014/main" id="{EEEBCDCC-2F83-42A3-99FE-AC91AC8BF905}"/>
+              </a:ext>
+            </a:extLst>
+          </p:cNvPr>
+          <p:cNvSpPr>
+            <a:spLocks noGrp="1"/>
+          </p:cNvSpPr>
+          <p:nvPr>
+            <p:ph type="title"/>
+          </p:nvPr>
+        </p:nvSpPr>
+        <p:spPr>
+          <a:xfrm>
+            <a:off x="1143001" y="89647"/>
+            <a:ext cx="9905998" cy="1905000"/>
+          </a:xfrm>
+        </p:spPr>
+        <p:txBody>
+          <a:bodyPr/>
+          <a:lstStyle/>
+          <a:p>
+            <a:r>
+              <a:rPr lang="es-ES" dirty="0" err="1"/>
+              <a:t>Code</a:t>
+            </a:r>
+            <a:r>
+              <a:rPr lang="es-ES" dirty="0"/>
+              <a:t> </a:t>
+            </a:r>
+            <a:r>
+              <a:rPr lang="es-ES" dirty="0" err="1"/>
+              <a:t>Aesthetic</a:t>
+            </a:r>
+            <a:endParaRPr lang="en-US" dirty="0"/>
+          </a:p>
+        </p:txBody>
+      </p:sp>
+      <p:pic>
+        <p:nvPicPr>
+          <p:cNvPr id="4" name="Picture 3">
+            <a:extLst>
+              <a:ext uri="{FF2B5EF4-FFF2-40B4-BE49-F238E27FC236}">
+                <a16:creationId xmlns:a16="http://schemas.microsoft.com/office/drawing/2014/main" id="{144B1A6B-189F-4D1A-BB39-E75390FF84E8}"/>
+              </a:ext>
+            </a:extLst>
+          </p:cNvPr>
+          <p:cNvPicPr>
+            <a:picLocks noChangeAspect="1"/>
+          </p:cNvPicPr>
+          <p:nvPr/>
+        </p:nvPicPr>
+        <p:blipFill>
+          <a:blip r:embed="rId2"/>
+          <a:stretch>
+            <a:fillRect/>
+          </a:stretch>
+        </p:blipFill>
+        <p:spPr>
+          <a:xfrm>
+            <a:off x="1910288" y="1994647"/>
+            <a:ext cx="8371423" cy="4154909"/>
+          </a:xfrm>
+          <a:prstGeom prst="rect">
+            <a:avLst/>
+          </a:prstGeom>
+        </p:spPr>
+      </p:pic>
+      <p:pic>
+        <p:nvPicPr>
+          <p:cNvPr id="7" name="Picture 6">
+            <a:extLst>
+              <a:ext uri="{FF2B5EF4-FFF2-40B4-BE49-F238E27FC236}">
+                <a16:creationId xmlns:a16="http://schemas.microsoft.com/office/drawing/2014/main" id="{0E319A4F-BFDF-4437-A11C-3115A693E7C3}"/>
+              </a:ext>
+            </a:extLst>
+          </p:cNvPr>
+          <p:cNvPicPr>
+            <a:picLocks noChangeAspect="1"/>
+          </p:cNvPicPr>
+          <p:nvPr/>
+        </p:nvPicPr>
+        <p:blipFill>
+          <a:blip r:embed="rId3"/>
+          <a:stretch>
+            <a:fillRect/>
+          </a:stretch>
+        </p:blipFill>
+        <p:spPr>
+          <a:xfrm>
+            <a:off x="6095999" y="291512"/>
+            <a:ext cx="4610500" cy="1501270"/>
+          </a:xfrm>
+          <a:prstGeom prst="rect">
+            <a:avLst/>
+          </a:prstGeom>
+        </p:spPr>
+      </p:pic>
+    </p:spTree>
+    <p:extLst>
+      <p:ext uri="{BB962C8B-B14F-4D97-AF65-F5344CB8AC3E}">
+        <p14:creationId xmlns:p14="http://schemas.microsoft.com/office/powerpoint/2010/main" val="3573763491"/>
+      </p:ext>
+    </p:extLst>
+  </p:cSld>
+  <p:clrMapOvr>
+    <a:masterClrMapping/>
+  </p:clrMapOvr>
+  <mc:AlternateContent xmlns:mc="http://schemas.openxmlformats.org/markup-compatibility/2006" xmlns:p14="http://schemas.microsoft.com/office/powerpoint/2010/main">
+    <mc:Choice Requires="p14">
+      <p:transition spd="med" p14:dur="700">
+        <p:fade/>
+      </p:transition>
+    </mc:Choice>
+    <mc:Fallback xmlns="">
+      <p:transition spd="med">
+        <p:fade/>
+      </p:transition>
+    </mc:Fallback>
+  </mc:AlternateContent>
+</p:sld>
+</file>
+
+<file path=ppt/slides/slide15.xml><?xml version="1.0" encoding="utf-8"?>
 <p:sld xmlns:a="http://schemas.openxmlformats.org/drawingml/2006/main" xmlns:r="http://schemas.openxmlformats.org/officeDocument/2006/relationships" xmlns:p="http://schemas.openxmlformats.org/presentationml/2006/main">
   <p:cSld>
     <p:spTree>
@@ -8316,7 +8470,7 @@
         <p:spPr>
           <a:xfrm>
             <a:off x="1141414" y="2079812"/>
-            <a:ext cx="10458916" cy="3693319"/>
+            <a:ext cx="10458916" cy="3970318"/>
           </a:xfrm>
           <a:prstGeom prst="rect">
             <a:avLst/>
@@ -8469,7 +8623,24 @@
               <a:buFont typeface="Arial" panose="020B0604020202020204" pitchFamily="34" charset="0"/>
               <a:buChar char="•"/>
             </a:pPr>
-            <a:endParaRPr lang="en-US" dirty="0"/>
+            <a:r>
+              <a:rPr lang="en-US" dirty="0">
+                <a:effectLst/>
+              </a:rPr>
+              <a:t>Code Aesthetic. (2022). </a:t>
+            </a:r>
+            <a:r>
+              <a:rPr lang="en-US" i="1" dirty="0">
+                <a:effectLst/>
+              </a:rPr>
+              <a:t>Why you shouldn't nest your code</a:t>
+            </a:r>
+            <a:r>
+              <a:rPr lang="en-US" dirty="0">
+                <a:effectLst/>
+              </a:rPr>
+              <a:t>. Retrieved February 28, 2023, from https://www.youtube.com/watch?v=CFRhGnuXG-4&amp;t=1s. </a:t>
+            </a:r>
           </a:p>
         </p:txBody>
       </p:sp>
@@ -8477,6 +8648,256 @@
     <p:extLst>
       <p:ext uri="{BB962C8B-B14F-4D97-AF65-F5344CB8AC3E}">
         <p14:creationId xmlns:p14="http://schemas.microsoft.com/office/powerpoint/2010/main" val="1664425850"/>
+      </p:ext>
+    </p:extLst>
+  </p:cSld>
+  <p:clrMapOvr>
+    <a:masterClrMapping/>
+  </p:clrMapOvr>
+</p:sld>
+</file>
+
+<file path=ppt/slides/slide16.xml><?xml version="1.0" encoding="utf-8"?>
+<p:sld xmlns:a="http://schemas.openxmlformats.org/drawingml/2006/main" xmlns:r="http://schemas.openxmlformats.org/officeDocument/2006/relationships" xmlns:p="http://schemas.openxmlformats.org/presentationml/2006/main">
+  <p:cSld>
+    <p:spTree>
+      <p:nvGrpSpPr>
+        <p:cNvPr id="1" name=""/>
+        <p:cNvGrpSpPr/>
+        <p:nvPr/>
+      </p:nvGrpSpPr>
+      <p:grpSpPr>
+        <a:xfrm>
+          <a:off x="0" y="0"/>
+          <a:ext cx="0" cy="0"/>
+          <a:chOff x="0" y="0"/>
+          <a:chExt cx="0" cy="0"/>
+        </a:xfrm>
+      </p:grpSpPr>
+      <p:sp>
+        <p:nvSpPr>
+          <p:cNvPr id="2" name="Title 1">
+            <a:extLst>
+              <a:ext uri="{FF2B5EF4-FFF2-40B4-BE49-F238E27FC236}">
+                <a16:creationId xmlns:a16="http://schemas.microsoft.com/office/drawing/2014/main" id="{C87DAA38-F794-4ADE-A479-8812668FF2BC}"/>
+              </a:ext>
+            </a:extLst>
+          </p:cNvPr>
+          <p:cNvSpPr>
+            <a:spLocks noGrp="1"/>
+          </p:cNvSpPr>
+          <p:nvPr>
+            <p:ph type="title"/>
+          </p:nvPr>
+        </p:nvSpPr>
+        <p:spPr/>
+        <p:txBody>
+          <a:bodyPr/>
+          <a:lstStyle/>
+          <a:p>
+            <a:r>
+              <a:rPr lang="es-ES" dirty="0" err="1"/>
+              <a:t>References</a:t>
+            </a:r>
+            <a:endParaRPr lang="en-US" dirty="0"/>
+          </a:p>
+        </p:txBody>
+      </p:sp>
+      <p:sp>
+        <p:nvSpPr>
+          <p:cNvPr id="6" name="TextBox 5">
+            <a:extLst>
+              <a:ext uri="{FF2B5EF4-FFF2-40B4-BE49-F238E27FC236}">
+                <a16:creationId xmlns:a16="http://schemas.microsoft.com/office/drawing/2014/main" id="{B6629649-4A3A-43CC-96A2-B95AA565E95F}"/>
+              </a:ext>
+            </a:extLst>
+          </p:cNvPr>
+          <p:cNvSpPr txBox="1"/>
+          <p:nvPr/>
+        </p:nvSpPr>
+        <p:spPr>
+          <a:xfrm>
+            <a:off x="1141414" y="2079812"/>
+            <a:ext cx="10458916" cy="3139321"/>
+          </a:xfrm>
+          <a:prstGeom prst="rect">
+            <a:avLst/>
+          </a:prstGeom>
+          <a:noFill/>
+        </p:spPr>
+        <p:txBody>
+          <a:bodyPr wrap="square" rtlCol="0">
+            <a:spAutoFit/>
+          </a:bodyPr>
+          <a:lstStyle/>
+          <a:p>
+            <a:pPr marL="285750" indent="-285750">
+              <a:buFont typeface="Arial" panose="020B0604020202020204" pitchFamily="34" charset="0"/>
+              <a:buChar char="•"/>
+            </a:pPr>
+            <a:r>
+              <a:rPr lang="en-US" dirty="0" err="1">
+                <a:effectLst/>
+              </a:rPr>
+              <a:t>KevinKevin</a:t>
+            </a:r>
+            <a:r>
+              <a:rPr lang="en-US" dirty="0">
+                <a:effectLst/>
+              </a:rPr>
+              <a:t> 3, Reed </a:t>
+            </a:r>
+            <a:r>
+              <a:rPr lang="en-US" dirty="0" err="1">
+                <a:effectLst/>
+              </a:rPr>
+              <a:t>CopseyReed</a:t>
+            </a:r>
+            <a:r>
+              <a:rPr lang="en-US" dirty="0">
+                <a:effectLst/>
+              </a:rPr>
+              <a:t> Copsey 549k7878 gold badges11481148 silver badges13671367 bronze badges, </a:t>
+            </a:r>
+            <a:r>
+              <a:rPr lang="en-US" dirty="0" err="1">
+                <a:effectLst/>
+              </a:rPr>
+              <a:t>AaronaughtAaronaught</a:t>
+            </a:r>
+            <a:r>
+              <a:rPr lang="en-US" dirty="0">
+                <a:effectLst/>
+              </a:rPr>
+              <a:t> 120k2525 gold badges262262 silver badges340340 bronze badges, </a:t>
+            </a:r>
+            <a:r>
+              <a:rPr lang="en-US" dirty="0" err="1">
+                <a:effectLst/>
+              </a:rPr>
+              <a:t>PermaquidPermaquid</a:t>
+            </a:r>
+            <a:r>
+              <a:rPr lang="en-US" dirty="0">
+                <a:effectLst/>
+              </a:rPr>
+              <a:t> 1, Kaleb </a:t>
+            </a:r>
+            <a:r>
+              <a:rPr lang="en-US" dirty="0" err="1">
+                <a:effectLst/>
+              </a:rPr>
+              <a:t>BraseeKaleb</a:t>
+            </a:r>
+            <a:r>
+              <a:rPr lang="en-US" dirty="0">
+                <a:effectLst/>
+              </a:rPr>
+              <a:t> </a:t>
+            </a:r>
+            <a:r>
+              <a:rPr lang="en-US" dirty="0" err="1">
+                <a:effectLst/>
+              </a:rPr>
+              <a:t>Brasee</a:t>
+            </a:r>
+            <a:r>
+              <a:rPr lang="en-US" dirty="0">
+                <a:effectLst/>
+              </a:rPr>
+              <a:t> 50.9k88 gold badges108108 silver badges113113 bronze badges, Diego </a:t>
+            </a:r>
+            <a:r>
+              <a:rPr lang="en-US" dirty="0" err="1">
+                <a:effectLst/>
+              </a:rPr>
+              <a:t>TerceroDiego</a:t>
+            </a:r>
+            <a:r>
+              <a:rPr lang="en-US" dirty="0">
+                <a:effectLst/>
+              </a:rPr>
+              <a:t> </a:t>
+            </a:r>
+            <a:r>
+              <a:rPr lang="en-US" dirty="0" err="1">
+                <a:effectLst/>
+              </a:rPr>
+              <a:t>Tercero</a:t>
+            </a:r>
+            <a:r>
+              <a:rPr lang="en-US" dirty="0">
+                <a:effectLst/>
+              </a:rPr>
+              <a:t> 1, &amp; Kris </a:t>
+            </a:r>
+            <a:r>
+              <a:rPr lang="en-US" dirty="0" err="1">
+                <a:effectLst/>
+              </a:rPr>
+              <a:t>KrauseKris</a:t>
+            </a:r>
+            <a:r>
+              <a:rPr lang="en-US" dirty="0">
+                <a:effectLst/>
+              </a:rPr>
+              <a:t> Krause 7. (1956, December 1). </a:t>
+            </a:r>
+            <a:r>
+              <a:rPr lang="en-US" i="1" dirty="0">
+                <a:effectLst/>
+              </a:rPr>
+              <a:t>C# coding style - line length / wrapping lines</a:t>
+            </a:r>
+            <a:r>
+              <a:rPr lang="en-US" dirty="0">
+                <a:effectLst/>
+              </a:rPr>
+              <a:t>. Stack Overflow. Retrieved February 28, 2023, from https://stackoverflow.com/questions/2151836/c-sharp-coding-style-line-length-wrapping-lines </a:t>
+            </a:r>
+          </a:p>
+          <a:p>
+            <a:pPr marL="285750" indent="-285750">
+              <a:buFont typeface="Arial" panose="020B0604020202020204" pitchFamily="34" charset="0"/>
+              <a:buChar char="•"/>
+            </a:pPr>
+            <a:r>
+              <a:rPr lang="en-US" dirty="0">
+                <a:effectLst/>
+              </a:rPr>
+              <a:t>Conway, D. (n.d.). </a:t>
+            </a:r>
+            <a:r>
+              <a:rPr lang="en-US" i="1" dirty="0">
+                <a:effectLst/>
+              </a:rPr>
+              <a:t>Perl best practices</a:t>
+            </a:r>
+            <a:r>
+              <a:rPr lang="en-US" dirty="0">
+                <a:effectLst/>
+              </a:rPr>
+              <a:t>. O'Reilly. </a:t>
+            </a:r>
+          </a:p>
+          <a:p>
+            <a:pPr marL="285750" indent="-285750">
+              <a:buFont typeface="Arial" panose="020B0604020202020204" pitchFamily="34" charset="0"/>
+              <a:buChar char="•"/>
+            </a:pPr>
+            <a:r>
+              <a:rPr lang="en-US" dirty="0">
+                <a:effectLst/>
+              </a:rPr>
+              <a:t>Seemann, M. (n.d.). The 80/24 rule. Retrieved February 28, 2023, from https://blog.ploeh.dk/2019/11/04/the-80-24-rule/ </a:t>
+            </a:r>
+          </a:p>
+        </p:txBody>
+      </p:sp>
+    </p:spTree>
+    <p:extLst>
+      <p:ext uri="{BB962C8B-B14F-4D97-AF65-F5344CB8AC3E}">
+        <p14:creationId xmlns:p14="http://schemas.microsoft.com/office/powerpoint/2010/main" val="4029867956"/>
       </p:ext>
     </p:extLst>
   </p:cSld>
@@ -8576,6 +8997,18 @@
   <p:clrMapOvr>
     <a:masterClrMapping/>
   </p:clrMapOvr>
+  <mc:AlternateContent xmlns:mc="http://schemas.openxmlformats.org/markup-compatibility/2006" xmlns:p14="http://schemas.microsoft.com/office/powerpoint/2010/main">
+    <mc:Choice Requires="p14">
+      <p:transition spd="med" p14:dur="700">
+        <p:fade/>
+      </p:transition>
+    </mc:Choice>
+    <mc:Fallback xmlns="">
+      <p:transition spd="med">
+        <p:fade/>
+      </p:transition>
+    </mc:Fallback>
+  </mc:AlternateContent>
 </p:sld>
 </file>
 
@@ -8669,6 +9102,18 @@
   <p:clrMapOvr>
     <a:masterClrMapping/>
   </p:clrMapOvr>
+  <mc:AlternateContent xmlns:mc="http://schemas.openxmlformats.org/markup-compatibility/2006" xmlns:p14="http://schemas.microsoft.com/office/powerpoint/2010/main">
+    <mc:Choice Requires="p14">
+      <p:transition spd="med" p14:dur="700">
+        <p:fade/>
+      </p:transition>
+    </mc:Choice>
+    <mc:Fallback xmlns="">
+      <p:transition spd="med">
+        <p:fade/>
+      </p:transition>
+    </mc:Fallback>
+  </mc:AlternateContent>
 </p:sld>
 </file>
 
@@ -8962,6 +9407,9 @@
   <p:clrMapOvr>
     <a:masterClrMapping/>
   </p:clrMapOvr>
+  <p:transition spd="slow">
+    <p:wipe/>
+  </p:transition>
 </p:sld>
 </file>
 
@@ -9255,13 +9703,13 @@
   <p:clrMapOvr>
     <a:masterClrMapping/>
   </p:clrMapOvr>
-  <mc:AlternateContent xmlns:mc="http://schemas.openxmlformats.org/markup-compatibility/2006">
-    <mc:Choice xmlns:p159="http://schemas.microsoft.com/office/powerpoint/2015/09/main" Requires="p159">
+  <mc:AlternateContent xmlns:mc="http://schemas.openxmlformats.org/markup-compatibility/2006" xmlns:p159="http://schemas.microsoft.com/office/powerpoint/2015/09/main">
+    <mc:Choice Requires="p159">
       <p:transition xmlns:p14="http://schemas.microsoft.com/office/powerpoint/2010/main" spd="slow" p14:dur="2000">
         <p159:morph option="byWord"/>
       </p:transition>
     </mc:Choice>
-    <mc:Fallback>
+    <mc:Fallback xmlns="">
       <p:transition spd="slow">
         <p:fade/>
       </p:transition>
@@ -9620,13 +10068,13 @@
   <p:clrMapOvr>
     <a:masterClrMapping/>
   </p:clrMapOvr>
-  <mc:AlternateContent xmlns:mc="http://schemas.openxmlformats.org/markup-compatibility/2006">
-    <mc:Choice xmlns:p159="http://schemas.microsoft.com/office/powerpoint/2015/09/main" Requires="p159">
+  <mc:AlternateContent xmlns:mc="http://schemas.openxmlformats.org/markup-compatibility/2006" xmlns:p159="http://schemas.microsoft.com/office/powerpoint/2015/09/main">
+    <mc:Choice Requires="p159">
       <p:transition xmlns:p14="http://schemas.microsoft.com/office/powerpoint/2010/main" spd="slow" p14:dur="2000">
         <p159:morph option="byWord"/>
       </p:transition>
     </mc:Choice>
-    <mc:Fallback>
+    <mc:Fallback xmlns="">
       <p:transition spd="slow">
         <p:fade/>
       </p:transition>
@@ -9925,13 +10373,13 @@
   <p:clrMapOvr>
     <a:masterClrMapping/>
   </p:clrMapOvr>
-  <mc:AlternateContent xmlns:mc="http://schemas.openxmlformats.org/markup-compatibility/2006">
-    <mc:Choice xmlns:p159="http://schemas.microsoft.com/office/powerpoint/2015/09/main" Requires="p159">
+  <mc:AlternateContent xmlns:mc="http://schemas.openxmlformats.org/markup-compatibility/2006" xmlns:p159="http://schemas.microsoft.com/office/powerpoint/2015/09/main">
+    <mc:Choice Requires="p159">
       <p:transition xmlns:p14="http://schemas.microsoft.com/office/powerpoint/2010/main" spd="slow" p14:dur="2000">
         <p159:morph option="byWord"/>
       </p:transition>
     </mc:Choice>
-    <mc:Fallback>
+    <mc:Fallback xmlns="">
       <p:transition spd="slow">
         <p:fade/>
       </p:transition>
@@ -11286,13 +11734,13 @@
   <p:clrMapOvr>
     <a:masterClrMapping/>
   </p:clrMapOvr>
-  <mc:AlternateContent xmlns:mc="http://schemas.openxmlformats.org/markup-compatibility/2006">
-    <mc:Choice xmlns:p159="http://schemas.microsoft.com/office/powerpoint/2015/09/main" Requires="p159">
+  <mc:AlternateContent xmlns:mc="http://schemas.openxmlformats.org/markup-compatibility/2006" xmlns:p159="http://schemas.microsoft.com/office/powerpoint/2015/09/main">
+    <mc:Choice Requires="p159">
       <p:transition xmlns:p14="http://schemas.microsoft.com/office/powerpoint/2010/main" spd="slow" p14:dur="2000">
         <p159:morph option="byWord"/>
       </p:transition>
     </mc:Choice>
-    <mc:Fallback>
+    <mc:Fallback xmlns="">
       <p:transition spd="slow">
         <p:fade/>
       </p:transition>
